--- a/Mannheim/Stats/QRiL_11b_Exercises.pptx
+++ b/Mannheim/Stats/QRiL_11b_Exercises.pptx
@@ -223,7 +223,7 @@
           <a:p>
             <a:fld id="{E965E5F9-7C68-440D-8F93-DD9A6ECD879E}" type="datetimeFigureOut">
               <a:rPr lang="de-DE" smtClean="0"/>
-              <a:t>06.05.24</a:t>
+              <a:t>08.05.24</a:t>
             </a:fld>
             <a:endParaRPr lang="de-DE"/>
           </a:p>
@@ -8044,7 +8044,7 @@
             <a:pPr lvl="1"/>
             <a:r>
               <a:rPr lang="en-US" dirty="0"/>
-              <a:t>intervention program (theatre camp)</a:t>
+              <a:t>testing session</a:t>
             </a:r>
           </a:p>
           <a:p>
@@ -12223,7 +12223,7 @@
             <a:pPr lvl="0"/>
             <a:r>
               <a:rPr lang="en-US" sz="2200" dirty="0"/>
-              <a:t>You conducted a study on the tip-of-the-tongue with a group of monolinguals (n = 30) and bilinguals (n = 30) suffering from Alzheimer’s disease. You recorded each participant during a 30-minute conversation with one family member.</a:t>
+              <a:t>You conducted a study on the tip-of-the-tongue (TOT) with a group of monolinguals (n = 30) and bilinguals (n = 30) suffering from Alzheimer’s disease. You recorded each participant during a 30-minute conversation with one family member.</a:t>
             </a:r>
           </a:p>
           <a:p>
